--- a/Hangman/Powerpoint/Groep 7.pptx
+++ b/Hangman/Powerpoint/Groep 7.pptx
@@ -109,6 +109,11 @@
       </a:defRPr>
     </a:lvl9pPr>
   </p:defaultTextStyle>
+  <p:extLst>
+    <p:ext uri="{EFAFB233-063F-42B5-8137-9DF3F51BA10A}">
+      <p15:sldGuideLst xmlns:p15="http://schemas.microsoft.com/office/powerpoint/2012/main"/>
+    </p:ext>
+  </p:extLst>
 </p:presentation>
 </file>
 
@@ -6045,6 +6050,14 @@
 <file path=ppt/slides/slide3.xml><?xml version="1.0" encoding="utf-8"?>
 <p:sld xmlns:a="http://schemas.openxmlformats.org/drawingml/2006/main" xmlns:r="http://schemas.openxmlformats.org/officeDocument/2006/relationships" xmlns:p="http://schemas.openxmlformats.org/presentationml/2006/main">
   <p:cSld>
+    <p:bg>
+      <p:bgPr>
+        <a:solidFill>
+          <a:schemeClr val="bg1"/>
+        </a:solidFill>
+        <a:effectLst/>
+      </p:bgPr>
+    </p:bg>
     <p:spTree>
       <p:nvGrpSpPr>
         <p:cNvPr id="1" name=""/>
@@ -6059,6 +6072,763 @@
           <a:chExt cx="0" cy="0"/>
         </a:xfrm>
       </p:grpSpPr>
+      <p:grpSp>
+        <p:nvGrpSpPr>
+          <p:cNvPr id="40" name="Group 28">
+            <a:extLst>
+              <a:ext uri="{FF2B5EF4-FFF2-40B4-BE49-F238E27FC236}">
+                <a16:creationId xmlns:a16="http://schemas.microsoft.com/office/drawing/2014/main" id="{B4DE830A-B531-4A3B-96F6-0ECE88B08555}"/>
+              </a:ext>
+            </a:extLst>
+          </p:cNvPr>
+          <p:cNvGrpSpPr>
+            <a:grpSpLocks noGrp="1" noUngrp="1" noRot="1" noChangeAspect="1" noMove="1" noResize="1"/>
+          </p:cNvGrpSpPr>
+          <p:nvPr>
+            <p:extLst>
+              <p:ext uri="{386F3935-93C4-4BCD-93E2-E3B085C9AB24}">
+                <p16:designElem xmlns:p16="http://schemas.microsoft.com/office/powerpoint/2015/main" val="1"/>
+              </p:ext>
+            </p:extLst>
+          </p:nvPr>
+        </p:nvGrpSpPr>
+        <p:grpSpPr>
+          <a:xfrm>
+            <a:off x="0" y="-8467"/>
+            <a:ext cx="12192000" cy="6866467"/>
+            <a:chOff x="0" y="-8467"/>
+            <a:chExt cx="12192000" cy="6866467"/>
+          </a:xfrm>
+        </p:grpSpPr>
+        <p:cxnSp>
+          <p:nvCxnSpPr>
+            <p:cNvPr id="30" name="Straight Connector 29">
+              <a:extLst>
+                <a:ext uri="{FF2B5EF4-FFF2-40B4-BE49-F238E27FC236}">
+                  <a16:creationId xmlns:a16="http://schemas.microsoft.com/office/drawing/2014/main" id="{2813DF2C-461A-4A8F-9679-A172790D1F3A}"/>
+                </a:ext>
+              </a:extLst>
+            </p:cNvPr>
+            <p:cNvCxnSpPr/>
+            <p:nvPr>
+              <p:extLst>
+                <p:ext uri="{386F3935-93C4-4BCD-93E2-E3B085C9AB24}">
+                  <p16:designElem xmlns:p16="http://schemas.microsoft.com/office/powerpoint/2015/main" val="1"/>
+                </p:ext>
+              </p:extLst>
+            </p:nvPr>
+          </p:nvCxnSpPr>
+          <p:spPr>
+            <a:xfrm>
+              <a:off x="9371012" y="0"/>
+              <a:ext cx="1219200" cy="6858000"/>
+            </a:xfrm>
+            <a:prstGeom prst="line">
+              <a:avLst/>
+            </a:prstGeom>
+            <a:ln w="9525">
+              <a:solidFill>
+                <a:schemeClr val="bg1">
+                  <a:lumMod val="75000"/>
+                </a:schemeClr>
+              </a:solidFill>
+            </a:ln>
+          </p:spPr>
+          <p:style>
+            <a:lnRef idx="2">
+              <a:schemeClr val="accent1"/>
+            </a:lnRef>
+            <a:fillRef idx="0">
+              <a:schemeClr val="accent1"/>
+            </a:fillRef>
+            <a:effectRef idx="1">
+              <a:schemeClr val="accent1"/>
+            </a:effectRef>
+            <a:fontRef idx="minor">
+              <a:schemeClr val="tx1"/>
+            </a:fontRef>
+          </p:style>
+        </p:cxnSp>
+        <p:cxnSp>
+          <p:nvCxnSpPr>
+            <p:cNvPr id="31" name="Straight Connector 30">
+              <a:extLst>
+                <a:ext uri="{FF2B5EF4-FFF2-40B4-BE49-F238E27FC236}">
+                  <a16:creationId xmlns:a16="http://schemas.microsoft.com/office/drawing/2014/main" id="{54CD3A85-C039-4249-86E4-1EB9318B5495}"/>
+                </a:ext>
+              </a:extLst>
+            </p:cNvPr>
+            <p:cNvCxnSpPr/>
+            <p:nvPr>
+              <p:extLst>
+                <p:ext uri="{386F3935-93C4-4BCD-93E2-E3B085C9AB24}">
+                  <p16:designElem xmlns:p16="http://schemas.microsoft.com/office/powerpoint/2015/main" val="1"/>
+                </p:ext>
+              </p:extLst>
+            </p:nvPr>
+          </p:nvCxnSpPr>
+          <p:spPr>
+            <a:xfrm flipH="1">
+              <a:off x="7425267" y="3681413"/>
+              <a:ext cx="4763558" cy="3176587"/>
+            </a:xfrm>
+            <a:prstGeom prst="line">
+              <a:avLst/>
+            </a:prstGeom>
+            <a:ln w="9525">
+              <a:solidFill>
+                <a:schemeClr val="bg1">
+                  <a:lumMod val="85000"/>
+                </a:schemeClr>
+              </a:solidFill>
+            </a:ln>
+          </p:spPr>
+          <p:style>
+            <a:lnRef idx="2">
+              <a:schemeClr val="accent1"/>
+            </a:lnRef>
+            <a:fillRef idx="0">
+              <a:schemeClr val="accent1"/>
+            </a:fillRef>
+            <a:effectRef idx="1">
+              <a:schemeClr val="accent1"/>
+            </a:effectRef>
+            <a:fontRef idx="minor">
+              <a:schemeClr val="tx1"/>
+            </a:fontRef>
+          </p:style>
+        </p:cxnSp>
+        <p:sp>
+          <p:nvSpPr>
+            <p:cNvPr id="32" name="Rectangle 23">
+              <a:extLst>
+                <a:ext uri="{FF2B5EF4-FFF2-40B4-BE49-F238E27FC236}">
+                  <a16:creationId xmlns:a16="http://schemas.microsoft.com/office/drawing/2014/main" id="{887EA6D2-2883-42C2-993D-094CA6D65DA3}"/>
+                </a:ext>
+              </a:extLst>
+            </p:cNvPr>
+            <p:cNvSpPr/>
+            <p:nvPr>
+              <p:extLst>
+                <p:ext uri="{386F3935-93C4-4BCD-93E2-E3B085C9AB24}">
+                  <p16:designElem xmlns:p16="http://schemas.microsoft.com/office/powerpoint/2015/main" val="1"/>
+                </p:ext>
+              </p:extLst>
+            </p:nvPr>
+          </p:nvSpPr>
+          <p:spPr>
+            <a:xfrm>
+              <a:off x="9181476" y="-8467"/>
+              <a:ext cx="3007349" cy="6866467"/>
+            </a:xfrm>
+            <a:custGeom>
+              <a:avLst/>
+              <a:gdLst/>
+              <a:ahLst/>
+              <a:cxnLst/>
+              <a:rect l="l" t="t" r="r" b="b"/>
+              <a:pathLst>
+                <a:path w="3007349" h="6866467">
+                  <a:moveTo>
+                    <a:pt x="2045532" y="0"/>
+                  </a:moveTo>
+                  <a:lnTo>
+                    <a:pt x="3007349" y="0"/>
+                  </a:lnTo>
+                  <a:lnTo>
+                    <a:pt x="3007349" y="6866467"/>
+                  </a:lnTo>
+                  <a:lnTo>
+                    <a:pt x="0" y="6866467"/>
+                  </a:lnTo>
+                  <a:lnTo>
+                    <a:pt x="2045532" y="0"/>
+                  </a:lnTo>
+                  <a:close/>
+                </a:path>
+              </a:pathLst>
+            </a:custGeom>
+            <a:solidFill>
+              <a:schemeClr val="accent1">
+                <a:alpha val="30000"/>
+              </a:schemeClr>
+            </a:solidFill>
+            <a:ln>
+              <a:noFill/>
+            </a:ln>
+            <a:effectLst/>
+          </p:spPr>
+          <p:style>
+            <a:lnRef idx="1">
+              <a:schemeClr val="accent1"/>
+            </a:lnRef>
+            <a:fillRef idx="3">
+              <a:schemeClr val="accent1"/>
+            </a:fillRef>
+            <a:effectRef idx="2">
+              <a:schemeClr val="accent1"/>
+            </a:effectRef>
+            <a:fontRef idx="minor">
+              <a:schemeClr val="lt1"/>
+            </a:fontRef>
+          </p:style>
+        </p:sp>
+        <p:sp>
+          <p:nvSpPr>
+            <p:cNvPr id="33" name="Rectangle 25">
+              <a:extLst>
+                <a:ext uri="{FF2B5EF4-FFF2-40B4-BE49-F238E27FC236}">
+                  <a16:creationId xmlns:a16="http://schemas.microsoft.com/office/drawing/2014/main" id="{3B895046-636F-4D1B-ACA4-29AA0CB3329F}"/>
+                </a:ext>
+              </a:extLst>
+            </p:cNvPr>
+            <p:cNvSpPr/>
+            <p:nvPr>
+              <p:extLst>
+                <p:ext uri="{386F3935-93C4-4BCD-93E2-E3B085C9AB24}">
+                  <p16:designElem xmlns:p16="http://schemas.microsoft.com/office/powerpoint/2015/main" val="1"/>
+                </p:ext>
+              </p:extLst>
+            </p:nvPr>
+          </p:nvSpPr>
+          <p:spPr>
+            <a:xfrm>
+              <a:off x="9603442" y="-8467"/>
+              <a:ext cx="2588558" cy="6866467"/>
+            </a:xfrm>
+            <a:custGeom>
+              <a:avLst/>
+              <a:gdLst/>
+              <a:ahLst/>
+              <a:cxnLst/>
+              <a:rect l="l" t="t" r="r" b="b"/>
+              <a:pathLst>
+                <a:path w="2573311" h="6866467">
+                  <a:moveTo>
+                    <a:pt x="0" y="0"/>
+                  </a:moveTo>
+                  <a:lnTo>
+                    <a:pt x="2573311" y="0"/>
+                  </a:lnTo>
+                  <a:lnTo>
+                    <a:pt x="2573311" y="6866467"/>
+                  </a:lnTo>
+                  <a:lnTo>
+                    <a:pt x="1202336" y="6866467"/>
+                  </a:lnTo>
+                  <a:lnTo>
+                    <a:pt x="0" y="0"/>
+                  </a:lnTo>
+                  <a:close/>
+                </a:path>
+              </a:pathLst>
+            </a:custGeom>
+            <a:solidFill>
+              <a:schemeClr val="accent1">
+                <a:alpha val="20000"/>
+              </a:schemeClr>
+            </a:solidFill>
+            <a:ln>
+              <a:noFill/>
+            </a:ln>
+            <a:effectLst/>
+          </p:spPr>
+          <p:style>
+            <a:lnRef idx="1">
+              <a:schemeClr val="accent1"/>
+            </a:lnRef>
+            <a:fillRef idx="3">
+              <a:schemeClr val="accent1"/>
+            </a:fillRef>
+            <a:effectRef idx="2">
+              <a:schemeClr val="accent1"/>
+            </a:effectRef>
+            <a:fontRef idx="minor">
+              <a:schemeClr val="lt1"/>
+            </a:fontRef>
+          </p:style>
+        </p:sp>
+        <p:sp>
+          <p:nvSpPr>
+            <p:cNvPr id="34" name="Isosceles Triangle 33">
+              <a:extLst>
+                <a:ext uri="{FF2B5EF4-FFF2-40B4-BE49-F238E27FC236}">
+                  <a16:creationId xmlns:a16="http://schemas.microsoft.com/office/drawing/2014/main" id="{C6B0CDE3-E054-4EDD-A43B-F96843D8BF51}"/>
+                </a:ext>
+              </a:extLst>
+            </p:cNvPr>
+            <p:cNvSpPr/>
+            <p:nvPr>
+              <p:extLst>
+                <p:ext uri="{386F3935-93C4-4BCD-93E2-E3B085C9AB24}">
+                  <p16:designElem xmlns:p16="http://schemas.microsoft.com/office/powerpoint/2015/main" val="1"/>
+                </p:ext>
+              </p:extLst>
+            </p:nvPr>
+          </p:nvSpPr>
+          <p:spPr>
+            <a:xfrm>
+              <a:off x="8932333" y="3048000"/>
+              <a:ext cx="3259667" cy="3810000"/>
+            </a:xfrm>
+            <a:prstGeom prst="triangle">
+              <a:avLst>
+                <a:gd name="adj" fmla="val 100000"/>
+              </a:avLst>
+            </a:prstGeom>
+            <a:solidFill>
+              <a:schemeClr val="accent2">
+                <a:alpha val="72000"/>
+              </a:schemeClr>
+            </a:solidFill>
+            <a:ln>
+              <a:noFill/>
+            </a:ln>
+            <a:effectLst/>
+          </p:spPr>
+          <p:style>
+            <a:lnRef idx="1">
+              <a:schemeClr val="accent1"/>
+            </a:lnRef>
+            <a:fillRef idx="3">
+              <a:schemeClr val="accent1"/>
+            </a:fillRef>
+            <a:effectRef idx="2">
+              <a:schemeClr val="accent1"/>
+            </a:effectRef>
+            <a:fontRef idx="minor">
+              <a:schemeClr val="lt1"/>
+            </a:fontRef>
+          </p:style>
+        </p:sp>
+        <p:sp>
+          <p:nvSpPr>
+            <p:cNvPr id="35" name="Rectangle 27">
+              <a:extLst>
+                <a:ext uri="{FF2B5EF4-FFF2-40B4-BE49-F238E27FC236}">
+                  <a16:creationId xmlns:a16="http://schemas.microsoft.com/office/drawing/2014/main" id="{3B66B1A2-F145-4C9B-85CC-4BF30D58CBC5}"/>
+                </a:ext>
+              </a:extLst>
+            </p:cNvPr>
+            <p:cNvSpPr/>
+            <p:nvPr>
+              <p:extLst>
+                <p:ext uri="{386F3935-93C4-4BCD-93E2-E3B085C9AB24}">
+                  <p16:designElem xmlns:p16="http://schemas.microsoft.com/office/powerpoint/2015/main" val="1"/>
+                </p:ext>
+              </p:extLst>
+            </p:nvPr>
+          </p:nvSpPr>
+          <p:spPr>
+            <a:xfrm>
+              <a:off x="9334500" y="-8467"/>
+              <a:ext cx="2854326" cy="6866467"/>
+            </a:xfrm>
+            <a:custGeom>
+              <a:avLst/>
+              <a:gdLst/>
+              <a:ahLst/>
+              <a:cxnLst/>
+              <a:rect l="l" t="t" r="r" b="b"/>
+              <a:pathLst>
+                <a:path w="2858013" h="6866467">
+                  <a:moveTo>
+                    <a:pt x="0" y="0"/>
+                  </a:moveTo>
+                  <a:lnTo>
+                    <a:pt x="2858013" y="0"/>
+                  </a:lnTo>
+                  <a:lnTo>
+                    <a:pt x="2858013" y="6866467"/>
+                  </a:lnTo>
+                  <a:lnTo>
+                    <a:pt x="2473942" y="6866467"/>
+                  </a:lnTo>
+                  <a:lnTo>
+                    <a:pt x="0" y="0"/>
+                  </a:lnTo>
+                  <a:close/>
+                </a:path>
+              </a:pathLst>
+            </a:custGeom>
+            <a:solidFill>
+              <a:schemeClr val="accent2">
+                <a:lumMod val="75000"/>
+                <a:alpha val="70000"/>
+              </a:schemeClr>
+            </a:solidFill>
+            <a:ln>
+              <a:noFill/>
+            </a:ln>
+            <a:effectLst/>
+          </p:spPr>
+          <p:style>
+            <a:lnRef idx="1">
+              <a:schemeClr val="accent1"/>
+            </a:lnRef>
+            <a:fillRef idx="3">
+              <a:schemeClr val="accent1"/>
+            </a:fillRef>
+            <a:effectRef idx="2">
+              <a:schemeClr val="accent1"/>
+            </a:effectRef>
+            <a:fontRef idx="minor">
+              <a:schemeClr val="lt1"/>
+            </a:fontRef>
+          </p:style>
+        </p:sp>
+        <p:sp>
+          <p:nvSpPr>
+            <p:cNvPr id="36" name="Rectangle 28">
+              <a:extLst>
+                <a:ext uri="{FF2B5EF4-FFF2-40B4-BE49-F238E27FC236}">
+                  <a16:creationId xmlns:a16="http://schemas.microsoft.com/office/drawing/2014/main" id="{5D4FC972-94B3-4035-8D31-E668C132B411}"/>
+                </a:ext>
+              </a:extLst>
+            </p:cNvPr>
+            <p:cNvSpPr/>
+            <p:nvPr>
+              <p:extLst>
+                <p:ext uri="{386F3935-93C4-4BCD-93E2-E3B085C9AB24}">
+                  <p16:designElem xmlns:p16="http://schemas.microsoft.com/office/powerpoint/2015/main" val="1"/>
+                </p:ext>
+              </p:extLst>
+            </p:nvPr>
+          </p:nvSpPr>
+          <p:spPr>
+            <a:xfrm>
+              <a:off x="10898730" y="-8467"/>
+              <a:ext cx="1290094" cy="6866467"/>
+            </a:xfrm>
+            <a:custGeom>
+              <a:avLst/>
+              <a:gdLst/>
+              <a:ahLst/>
+              <a:cxnLst/>
+              <a:rect l="l" t="t" r="r" b="b"/>
+              <a:pathLst>
+                <a:path w="1290094" h="6858000">
+                  <a:moveTo>
+                    <a:pt x="1019735" y="0"/>
+                  </a:moveTo>
+                  <a:lnTo>
+                    <a:pt x="1290094" y="0"/>
+                  </a:lnTo>
+                  <a:lnTo>
+                    <a:pt x="1290094" y="6858000"/>
+                  </a:lnTo>
+                  <a:lnTo>
+                    <a:pt x="0" y="6858000"/>
+                  </a:lnTo>
+                  <a:lnTo>
+                    <a:pt x="1019735" y="0"/>
+                  </a:lnTo>
+                  <a:close/>
+                </a:path>
+              </a:pathLst>
+            </a:custGeom>
+            <a:solidFill>
+              <a:schemeClr val="accent1">
+                <a:lumMod val="60000"/>
+                <a:lumOff val="40000"/>
+                <a:alpha val="70000"/>
+              </a:schemeClr>
+            </a:solidFill>
+            <a:ln>
+              <a:noFill/>
+            </a:ln>
+            <a:effectLst/>
+          </p:spPr>
+          <p:style>
+            <a:lnRef idx="1">
+              <a:schemeClr val="accent1"/>
+            </a:lnRef>
+            <a:fillRef idx="3">
+              <a:schemeClr val="accent1"/>
+            </a:fillRef>
+            <a:effectRef idx="2">
+              <a:schemeClr val="accent1"/>
+            </a:effectRef>
+            <a:fontRef idx="minor">
+              <a:schemeClr val="lt1"/>
+            </a:fontRef>
+          </p:style>
+        </p:sp>
+        <p:sp>
+          <p:nvSpPr>
+            <p:cNvPr id="37" name="Rectangle 29">
+              <a:extLst>
+                <a:ext uri="{FF2B5EF4-FFF2-40B4-BE49-F238E27FC236}">
+                  <a16:creationId xmlns:a16="http://schemas.microsoft.com/office/drawing/2014/main" id="{374B9941-AFBE-4A77-A50E-B6EA04A746AE}"/>
+                </a:ext>
+              </a:extLst>
+            </p:cNvPr>
+            <p:cNvSpPr/>
+            <p:nvPr>
+              <p:extLst>
+                <p:ext uri="{386F3935-93C4-4BCD-93E2-E3B085C9AB24}">
+                  <p16:designElem xmlns:p16="http://schemas.microsoft.com/office/powerpoint/2015/main" val="1"/>
+                </p:ext>
+              </p:extLst>
+            </p:nvPr>
+          </p:nvSpPr>
+          <p:spPr>
+            <a:xfrm>
+              <a:off x="10938999" y="-8467"/>
+              <a:ext cx="1249825" cy="6866467"/>
+            </a:xfrm>
+            <a:custGeom>
+              <a:avLst/>
+              <a:gdLst/>
+              <a:ahLst/>
+              <a:cxnLst/>
+              <a:rect l="l" t="t" r="r" b="b"/>
+              <a:pathLst>
+                <a:path w="1249825" h="6858000">
+                  <a:moveTo>
+                    <a:pt x="0" y="0"/>
+                  </a:moveTo>
+                  <a:lnTo>
+                    <a:pt x="1249825" y="0"/>
+                  </a:lnTo>
+                  <a:lnTo>
+                    <a:pt x="1249825" y="6858000"/>
+                  </a:lnTo>
+                  <a:lnTo>
+                    <a:pt x="1109382" y="6858000"/>
+                  </a:lnTo>
+                  <a:lnTo>
+                    <a:pt x="0" y="0"/>
+                  </a:lnTo>
+                  <a:close/>
+                </a:path>
+              </a:pathLst>
+            </a:custGeom>
+            <a:solidFill>
+              <a:schemeClr val="accent1">
+                <a:alpha val="65000"/>
+              </a:schemeClr>
+            </a:solidFill>
+            <a:ln>
+              <a:noFill/>
+            </a:ln>
+            <a:effectLst/>
+          </p:spPr>
+          <p:style>
+            <a:lnRef idx="1">
+              <a:schemeClr val="accent1"/>
+            </a:lnRef>
+            <a:fillRef idx="3">
+              <a:schemeClr val="accent1"/>
+            </a:fillRef>
+            <a:effectRef idx="2">
+              <a:schemeClr val="accent1"/>
+            </a:effectRef>
+            <a:fontRef idx="minor">
+              <a:schemeClr val="lt1"/>
+            </a:fontRef>
+          </p:style>
+        </p:sp>
+        <p:sp>
+          <p:nvSpPr>
+            <p:cNvPr id="38" name="Isosceles Triangle 37">
+              <a:extLst>
+                <a:ext uri="{FF2B5EF4-FFF2-40B4-BE49-F238E27FC236}">
+                  <a16:creationId xmlns:a16="http://schemas.microsoft.com/office/drawing/2014/main" id="{27A982C5-2C38-4CE9-BC18-94697AD657FB}"/>
+                </a:ext>
+              </a:extLst>
+            </p:cNvPr>
+            <p:cNvSpPr/>
+            <p:nvPr>
+              <p:extLst>
+                <p:ext uri="{386F3935-93C4-4BCD-93E2-E3B085C9AB24}">
+                  <p16:designElem xmlns:p16="http://schemas.microsoft.com/office/powerpoint/2015/main" val="1"/>
+                </p:ext>
+              </p:extLst>
+            </p:nvPr>
+          </p:nvSpPr>
+          <p:spPr>
+            <a:xfrm>
+              <a:off x="10371666" y="3589867"/>
+              <a:ext cx="1817159" cy="3268133"/>
+            </a:xfrm>
+            <a:prstGeom prst="triangle">
+              <a:avLst>
+                <a:gd name="adj" fmla="val 100000"/>
+              </a:avLst>
+            </a:prstGeom>
+            <a:solidFill>
+              <a:schemeClr val="accent1">
+                <a:alpha val="80000"/>
+              </a:schemeClr>
+            </a:solidFill>
+            <a:ln>
+              <a:noFill/>
+            </a:ln>
+            <a:effectLst/>
+          </p:spPr>
+          <p:style>
+            <a:lnRef idx="1">
+              <a:schemeClr val="accent1"/>
+            </a:lnRef>
+            <a:fillRef idx="3">
+              <a:schemeClr val="accent1"/>
+            </a:fillRef>
+            <a:effectRef idx="2">
+              <a:schemeClr val="accent1"/>
+            </a:effectRef>
+            <a:fontRef idx="minor">
+              <a:schemeClr val="lt1"/>
+            </a:fontRef>
+          </p:style>
+        </p:sp>
+        <p:sp>
+          <p:nvSpPr>
+            <p:cNvPr id="39" name="Isosceles Triangle 38">
+              <a:extLst>
+                <a:ext uri="{FF2B5EF4-FFF2-40B4-BE49-F238E27FC236}">
+                  <a16:creationId xmlns:a16="http://schemas.microsoft.com/office/drawing/2014/main" id="{0060D8D1-7BB1-498F-AFBB-ADAC130A9E90}"/>
+                </a:ext>
+              </a:extLst>
+            </p:cNvPr>
+            <p:cNvSpPr/>
+            <p:nvPr>
+              <p:extLst>
+                <p:ext uri="{386F3935-93C4-4BCD-93E2-E3B085C9AB24}">
+                  <p16:designElem xmlns:p16="http://schemas.microsoft.com/office/powerpoint/2015/main" val="1"/>
+                </p:ext>
+              </p:extLst>
+            </p:nvPr>
+          </p:nvSpPr>
+          <p:spPr>
+            <a:xfrm rot="10800000">
+              <a:off x="0" y="0"/>
+              <a:ext cx="842596" cy="5666154"/>
+            </a:xfrm>
+            <a:prstGeom prst="triangle">
+              <a:avLst>
+                <a:gd name="adj" fmla="val 100000"/>
+              </a:avLst>
+            </a:prstGeom>
+            <a:solidFill>
+              <a:schemeClr val="accent1">
+                <a:alpha val="85000"/>
+              </a:schemeClr>
+            </a:solidFill>
+            <a:ln>
+              <a:noFill/>
+            </a:ln>
+            <a:effectLst/>
+          </p:spPr>
+          <p:style>
+            <a:lnRef idx="1">
+              <a:schemeClr val="accent1"/>
+            </a:lnRef>
+            <a:fillRef idx="3">
+              <a:schemeClr val="accent1"/>
+            </a:fillRef>
+            <a:effectRef idx="2">
+              <a:schemeClr val="accent1"/>
+            </a:effectRef>
+            <a:fontRef idx="minor">
+              <a:schemeClr val="lt1"/>
+            </a:fontRef>
+          </p:style>
+        </p:sp>
+      </p:grpSp>
+      <p:sp>
+        <p:nvSpPr>
+          <p:cNvPr id="41" name="Isosceles Triangle 40">
+            <a:extLst>
+              <a:ext uri="{FF2B5EF4-FFF2-40B4-BE49-F238E27FC236}">
+                <a16:creationId xmlns:a16="http://schemas.microsoft.com/office/drawing/2014/main" id="{AA330523-F25B-4007-B3E5-ABB5637D160A}"/>
+              </a:ext>
+            </a:extLst>
+          </p:cNvPr>
+          <p:cNvSpPr>
+            <a:spLocks noGrp="1" noRot="1" noChangeAspect="1" noMove="1" noResize="1" noEditPoints="1" noAdjustHandles="1" noChangeArrowheads="1" noChangeShapeType="1" noTextEdit="1"/>
+          </p:cNvSpPr>
+          <p:nvPr>
+            <p:extLst>
+              <p:ext uri="{386F3935-93C4-4BCD-93E2-E3B085C9AB24}">
+                <p16:designElem xmlns:p16="http://schemas.microsoft.com/office/powerpoint/2015/main" val="1"/>
+              </p:ext>
+            </p:extLst>
+          </p:nvPr>
+        </p:nvSpPr>
+        <p:spPr>
+          <a:xfrm rot="10800000">
+            <a:off x="3174" y="12700"/>
+            <a:ext cx="842596" cy="5666154"/>
+          </a:xfrm>
+          <a:prstGeom prst="triangle">
+            <a:avLst>
+              <a:gd name="adj" fmla="val 100000"/>
+            </a:avLst>
+          </a:prstGeom>
+          <a:solidFill>
+            <a:schemeClr val="accent1">
+              <a:alpha val="85000"/>
+            </a:schemeClr>
+          </a:solidFill>
+          <a:ln>
+            <a:noFill/>
+          </a:ln>
+          <a:effectLst/>
+        </p:spPr>
+        <p:style>
+          <a:lnRef idx="1">
+            <a:schemeClr val="accent1"/>
+          </a:lnRef>
+          <a:fillRef idx="3">
+            <a:schemeClr val="accent1"/>
+          </a:fillRef>
+          <a:effectRef idx="2">
+            <a:schemeClr val="accent1"/>
+          </a:effectRef>
+          <a:fontRef idx="minor">
+            <a:schemeClr val="lt1"/>
+          </a:fontRef>
+        </p:style>
+      </p:sp>
+      <p:pic>
+        <p:nvPicPr>
+          <p:cNvPr id="42" name="Tijdelijke aanduiding voor inhoud 4">
+            <a:extLst>
+              <a:ext uri="{FF2B5EF4-FFF2-40B4-BE49-F238E27FC236}">
+                <a16:creationId xmlns:a16="http://schemas.microsoft.com/office/drawing/2014/main" id="{AA2878AD-525C-484D-A5C0-17522C42E960}"/>
+              </a:ext>
+            </a:extLst>
+          </p:cNvPr>
+          <p:cNvPicPr>
+            <a:picLocks noGrp="1" noChangeAspect="1"/>
+          </p:cNvPicPr>
+          <p:nvPr>
+            <p:ph idx="1"/>
+          </p:nvPr>
+        </p:nvPicPr>
+        <p:blipFill>
+          <a:blip r:embed="rId2">
+            <a:extLst>
+              <a:ext uri="{28A0092B-C50C-407E-A947-70E740481C1C}">
+                <a14:useLocalDpi xmlns:a14="http://schemas.microsoft.com/office/drawing/2010/main" val="0"/>
+              </a:ext>
+            </a:extLst>
+          </a:blip>
+          <a:stretch>
+            <a:fillRect/>
+          </a:stretch>
+        </p:blipFill>
+        <p:spPr>
+          <a:xfrm>
+            <a:off x="1618141" y="1261330"/>
+            <a:ext cx="4157815" cy="4335340"/>
+          </a:xfrm>
+          <a:prstGeom prst="rect">
+            <a:avLst/>
+          </a:prstGeom>
+        </p:spPr>
+      </p:pic>
       <p:sp>
         <p:nvSpPr>
           <p:cNvPr id="2" name="Titel 1">
@@ -6075,43 +6845,29 @@
             <p:ph type="title"/>
           </p:nvPr>
         </p:nvSpPr>
-        <p:spPr/>
-        <p:txBody>
-          <a:bodyPr/>
+        <p:spPr>
+          <a:xfrm>
+            <a:off x="6094855" y="1261331"/>
+            <a:ext cx="3497565" cy="3002662"/>
+          </a:xfrm>
+        </p:spPr>
+        <p:txBody>
+          <a:bodyPr vert="horz" lIns="91440" tIns="45720" rIns="91440" bIns="45720" rtlCol="0" anchor="b">
+            <a:normAutofit/>
+          </a:bodyPr>
           <a:lstStyle/>
           <a:p>
             <a:r>
-              <a:rPr lang="nl-BE" dirty="0"/>
+              <a:rPr lang="en-US" sz="4400" kern="1200">
+                <a:solidFill>
+                  <a:schemeClr val="accent1"/>
+                </a:solidFill>
+                <a:latin typeface="+mj-lt"/>
+                <a:ea typeface="+mj-ea"/>
+                <a:cs typeface="+mj-cs"/>
+              </a:rPr>
               <a:t>Demo</a:t>
             </a:r>
-          </a:p>
-        </p:txBody>
-      </p:sp>
-      <p:sp>
-        <p:nvSpPr>
-          <p:cNvPr id="3" name="Tijdelijke aanduiding voor inhoud 2">
-            <a:extLst>
-              <a:ext uri="{FF2B5EF4-FFF2-40B4-BE49-F238E27FC236}">
-                <a16:creationId xmlns:a16="http://schemas.microsoft.com/office/drawing/2014/main" id="{BC464197-F4CF-4BE1-849E-C15BD29E1851}"/>
-              </a:ext>
-            </a:extLst>
-          </p:cNvPr>
-          <p:cNvSpPr>
-            <a:spLocks noGrp="1"/>
-          </p:cNvSpPr>
-          <p:nvPr>
-            <p:ph idx="1"/>
-          </p:nvPr>
-        </p:nvSpPr>
-        <p:spPr/>
-        <p:txBody>
-          <a:bodyPr/>
-          <a:lstStyle/>
-          <a:p>
-            <a:pPr marL="0" indent="0">
-              <a:buNone/>
-            </a:pPr>
-            <a:endParaRPr lang="nl-BE" dirty="0"/>
           </a:p>
         </p:txBody>
       </p:sp>
